--- a/spring13/slidesS13/propositional-logic.pptx
+++ b/spring13/slidesS13/propositional-logic.pptx
@@ -2268,15 +2268,7 @@
             </a:pPr>
             <a:r>
               <a:rPr lang="en-US" dirty="0" smtClean="0"/>
-              <a:t>propositional </a:t>
-            </a:r>
-            <a:r>
-              <a:rPr lang="en-US" dirty="0" smtClean="0"/>
-              <a:t>logic.</a:t>
-            </a:r>
-            <a:r>
-              <a:rPr lang="en-US" dirty="0" smtClean="0"/>
-              <a:t>.</a:t>
+              <a:t>propositional logic..</a:t>
             </a:r>
             <a:fld id="{C3C9801B-391E-452B-A4C3-BC5EC51A0BC7}" type="slidenum">
               <a:rPr lang="en-US" smtClean="0"/>
@@ -2407,11 +2399,7 @@
             </a:pPr>
             <a:r>
               <a:rPr lang="en-US" dirty="0" smtClean="0"/>
-              <a:t>propositional </a:t>
-            </a:r>
-            <a:r>
-              <a:rPr lang="en-US" dirty="0" smtClean="0"/>
-              <a:t>logic.</a:t>
+              <a:t>propositional logic.</a:t>
             </a:r>
             <a:fld id="{19F24CE2-1F4B-4512-B5C9-C4086662BBB7}" type="slidenum">
               <a:rPr lang="en-US" smtClean="0"/>
@@ -2575,11 +2563,7 @@
             </a:pPr>
             <a:r>
               <a:rPr lang="en-US" dirty="0" smtClean="0"/>
-              <a:t>propositional </a:t>
-            </a:r>
-            <a:r>
-              <a:rPr lang="en-US" dirty="0" smtClean="0"/>
-              <a:t>logic.</a:t>
+              <a:t>propositional logic.</a:t>
             </a:r>
             <a:fld id="{37824D00-345F-4FD0-936A-71B5AC18468B}" type="slidenum">
               <a:rPr lang="en-US" smtClean="0"/>
@@ -2673,11 +2657,7 @@
             </a:pPr>
             <a:r>
               <a:rPr lang="en-US" dirty="0" smtClean="0"/>
-              <a:t>propositional </a:t>
-            </a:r>
-            <a:r>
-              <a:rPr lang="en-US" dirty="0" smtClean="0"/>
-              <a:t>logic.</a:t>
+              <a:t>propositional logic.</a:t>
             </a:r>
             <a:fld id="{C1105D0F-4076-4DA8-8BBA-221619D9A970}" type="slidenum">
               <a:rPr lang="en-US" smtClean="0"/>
@@ -2744,11 +2724,7 @@
             </a:pPr>
             <a:r>
               <a:rPr lang="en-US" dirty="0" smtClean="0"/>
-              <a:t>propositional </a:t>
-            </a:r>
-            <a:r>
-              <a:rPr lang="en-US" dirty="0" smtClean="0"/>
-              <a:t>logic.</a:t>
+              <a:t>propositional logic.</a:t>
             </a:r>
             <a:fld id="{075B8CF0-67CE-46DB-AD5A-266E8FD0124B}" type="slidenum">
               <a:rPr lang="en-US" smtClean="0"/>
@@ -2974,11 +2950,7 @@
             </a:pPr>
             <a:r>
               <a:rPr lang="en-US" dirty="0" smtClean="0"/>
-              <a:t>propositional </a:t>
-            </a:r>
-            <a:r>
-              <a:rPr lang="en-US" dirty="0" smtClean="0"/>
-              <a:t>logic.</a:t>
+              <a:t>propositional logic.</a:t>
             </a:r>
             <a:fld id="{26BBB068-6957-4CCF-BE52-E72E2DD2B17D}" type="slidenum">
               <a:rPr lang="en-US" smtClean="0"/>
@@ -3130,11 +3102,7 @@
             </a:pPr>
             <a:r>
               <a:rPr lang="en-US" dirty="0" smtClean="0"/>
-              <a:t>propositional </a:t>
-            </a:r>
-            <a:r>
-              <a:rPr lang="en-US" dirty="0" smtClean="0"/>
-              <a:t>logic.</a:t>
+              <a:t>propositional logic.</a:t>
             </a:r>
             <a:fld id="{918B944E-E05E-401F-B34C-339DD98DC38E}" type="slidenum">
               <a:rPr lang="en-US" smtClean="0"/>
@@ -3280,15 +3248,7 @@
             </a:pPr>
             <a:r>
               <a:rPr lang="en-US" dirty="0" smtClean="0"/>
-              <a:t>propositional </a:t>
-            </a:r>
-            <a:r>
-              <a:rPr lang="en-US" dirty="0" smtClean="0"/>
-              <a:t>logic.</a:t>
-            </a:r>
-            <a:r>
-              <a:rPr lang="en-US" dirty="0" smtClean="0"/>
-              <a:t>.</a:t>
+              <a:t>propositional logic..</a:t>
             </a:r>
             <a:fld id="{A528ADE2-B74F-4D9D-8D04-FB5D781EAB51}" type="slidenum">
               <a:rPr lang="en-US" smtClean="0"/>
@@ -3463,11 +3423,7 @@
             </a:pPr>
             <a:r>
               <a:rPr lang="en-US" dirty="0" smtClean="0"/>
-              <a:t>propositional </a:t>
-            </a:r>
-            <a:r>
-              <a:rPr lang="en-US" dirty="0" smtClean="0"/>
-              <a:t>logic..</a:t>
+              <a:t>propositional logic..</a:t>
             </a:r>
             <a:fld id="{B3A503E6-B8FE-4B0A-9976-9CA65DFEA87E}" type="slidenum">
               <a:rPr lang="en-US" smtClean="0"/>
@@ -3572,11 +3528,7 @@
             </a:pPr>
             <a:r>
               <a:rPr lang="en-US" dirty="0" smtClean="0"/>
-              <a:t>propositional </a:t>
-            </a:r>
-            <a:r>
-              <a:rPr lang="en-US" dirty="0" smtClean="0"/>
-              <a:t>logic.</a:t>
+              <a:t>propositional logic.</a:t>
             </a:r>
             <a:fld id="{DB6F0ED6-FEF5-4C9C-B1CC-29B47EC66FAA}" type="slidenum">
               <a:rPr lang="en-US" smtClean="0"/>
@@ -3647,11 +3599,7 @@
             </a:pPr>
             <a:r>
               <a:rPr lang="en-US" dirty="0" smtClean="0"/>
-              <a:t>propositional </a:t>
-            </a:r>
-            <a:r>
-              <a:rPr lang="en-US" dirty="0" smtClean="0"/>
-              <a:t>logic..</a:t>
+              <a:t>propositional logic..</a:t>
             </a:r>
             <a:fld id="{7D4651B8-09C8-4A4D-BE8E-31B6C97A420D}" type="slidenum">
               <a:rPr lang="en-US" smtClean="0"/>
@@ -3888,11 +3836,7 @@
             </a:pPr>
             <a:r>
               <a:rPr lang="en-US" dirty="0" smtClean="0"/>
-              <a:t>propositional </a:t>
-            </a:r>
-            <a:r>
-              <a:rPr lang="en-US" dirty="0" smtClean="0"/>
-              <a:t>logic..</a:t>
+              <a:t>propositional logic..</a:t>
             </a:r>
             <a:fld id="{85BC747C-4E6E-462A-A001-3C1CA56269DD}" type="slidenum">
               <a:rPr lang="en-US" smtClean="0"/>
@@ -4105,11 +4049,7 @@
             </a:pPr>
             <a:r>
               <a:rPr lang="en-US" dirty="0" smtClean="0"/>
-              <a:t>propositional </a:t>
-            </a:r>
-            <a:r>
-              <a:rPr lang="en-US" dirty="0" smtClean="0"/>
-              <a:t>logic..</a:t>
+              <a:t>propositional logic..</a:t>
             </a:r>
             <a:fld id="{B7856ECB-7BA5-4EA4-A170-7A96316AE30B}" type="slidenum">
               <a:rPr lang="en-US" smtClean="0"/>
@@ -4388,11 +4328,7 @@
             </a:pPr>
             <a:r>
               <a:rPr lang="en-US" dirty="0" smtClean="0"/>
-              <a:t>propositional </a:t>
-            </a:r>
-            <a:r>
-              <a:rPr lang="en-US" dirty="0" smtClean="0"/>
-              <a:t>logic.</a:t>
+              <a:t>propositional logic.</a:t>
             </a:r>
             <a:fld id="{883BA68D-4400-4AD9-848C-65748A4D0824}" type="slidenum">
               <a:rPr lang="en-US" smtClean="0"/>
@@ -4552,11 +4488,7 @@
             </a:pPr>
             <a:r>
               <a:rPr lang="en-US" dirty="0" smtClean="0"/>
-              <a:t>propositional </a:t>
-            </a:r>
-            <a:r>
-              <a:rPr lang="en-US" dirty="0" smtClean="0"/>
-              <a:t>logic.</a:t>
+              <a:t>propositional logic.</a:t>
             </a:r>
             <a:fld id="{671A9335-2B28-465B-823D-6F18B2E54319}" type="slidenum">
               <a:rPr lang="en-US" smtClean="0"/>
@@ -4730,11 +4662,7 @@
             </a:pPr>
             <a:r>
               <a:rPr lang="en-US" dirty="0" smtClean="0"/>
-              <a:t>propositional </a:t>
-            </a:r>
-            <a:r>
-              <a:rPr lang="en-US" dirty="0" smtClean="0"/>
-              <a:t>logic.</a:t>
+              <a:t>propositional logic.</a:t>
             </a:r>
             <a:fld id="{EBFB97A3-F52F-4FD6-B1AC-522A20C95467}" type="slidenum">
               <a:rPr lang="en-US" smtClean="0"/>
@@ -5427,11 +5355,7 @@
             </a:pPr>
             <a:r>
               <a:rPr lang="en-US" dirty="0" smtClean="0"/>
-              <a:t>propositional </a:t>
-            </a:r>
-            <a:r>
-              <a:rPr lang="en-US" dirty="0" smtClean="0"/>
-              <a:t>logic.</a:t>
+              <a:t>propositional logic.</a:t>
             </a:r>
             <a:fld id="{2CE11749-3435-4A3E-A162-33970963D098}" type="slidenum">
               <a:rPr lang="en-US" smtClean="0"/>
@@ -6060,11 +5984,7 @@
           <a:p>
             <a:r>
               <a:rPr lang="en-US" dirty="0" smtClean="0"/>
-              <a:t>propositional </a:t>
-            </a:r>
-            <a:r>
-              <a:rPr lang="en-US" dirty="0" smtClean="0"/>
-              <a:t>logic.</a:t>
+              <a:t>propositional logic.</a:t>
             </a:r>
             <a:fld id="{0150943C-9303-41DF-A6FA-7E32D6C5D18E}" type="slidenum">
               <a:rPr lang="en-US" smtClean="0"/>
@@ -6080,11 +6000,11 @@
   <p:clrMapOvr>
     <a:masterClrMapping/>
   </p:clrMapOvr>
-  <mc:AlternateContent xmlns:mc="http://schemas.openxmlformats.org/markup-compatibility/2006">
-    <mc:Choice xmlns:p14="http://schemas.microsoft.com/office/powerpoint/2010/main" Requires="p14">
+  <mc:AlternateContent xmlns:mc="http://schemas.openxmlformats.org/markup-compatibility/2006" xmlns:p14="http://schemas.microsoft.com/office/powerpoint/2010/main">
+    <mc:Choice Requires="p14">
       <p:transition p14:dur="0" advClick="0"/>
     </mc:Choice>
-    <mc:Fallback>
+    <mc:Fallback xmlns="">
       <p:transition xmlns:p14="http://schemas.microsoft.com/office/powerpoint/2010/main" advClick="0"/>
     </mc:Fallback>
   </mc:AlternateContent>
@@ -6225,11 +6145,7 @@
             </a:pPr>
             <a:r>
               <a:rPr lang="en-US" dirty="0" smtClean="0"/>
-              <a:t>propositional </a:t>
-            </a:r>
-            <a:r>
-              <a:rPr lang="en-US" dirty="0" smtClean="0"/>
-              <a:t>logic..</a:t>
+              <a:t>propositional logic..</a:t>
             </a:r>
             <a:fld id="{A528ADE2-B74F-4D9D-8D04-FB5D781EAB51}" type="slidenum">
               <a:rPr lang="en-US" smtClean="0"/>
@@ -6734,11 +6650,7 @@
             </a:pPr>
             <a:r>
               <a:rPr lang="en-US" dirty="0" smtClean="0"/>
-              <a:t>propositional </a:t>
-            </a:r>
-            <a:r>
-              <a:rPr lang="en-US" dirty="0" smtClean="0"/>
-              <a:t>logic..</a:t>
+              <a:t>propositional logic..</a:t>
             </a:r>
             <a:fld id="{A528ADE2-B74F-4D9D-8D04-FB5D781EAB51}" type="slidenum">
               <a:rPr lang="en-US" smtClean="0"/>
@@ -7154,7 +7066,7 @@
         <p:spPr>
           <a:xfrm>
             <a:off x="459546" y="1675812"/>
-            <a:ext cx="8226627" cy="3427288"/>
+            <a:ext cx="8481254" cy="3416320"/>
           </a:xfrm>
           <a:prstGeom prst="rect">
             <a:avLst/>
@@ -7180,14 +7092,14 @@
                 <a:latin typeface="Comic Sans MS"/>
                 <a:cs typeface="Comic Sans MS"/>
               </a:rPr>
-              <a:t> A r</a:t>
+              <a:t> </a:t>
             </a:r>
             <a:r>
               <a:rPr lang="en-US" sz="5400" dirty="0" smtClean="0">
                 <a:latin typeface="Comic Sans MS"/>
                 <a:cs typeface="Comic Sans MS"/>
               </a:rPr>
-              <a:t>ule is sound </a:t>
+              <a:t>A rule is sound </a:t>
             </a:r>
             <a:r>
               <a:rPr lang="en-US" sz="5400" dirty="0" err="1" smtClean="0">
@@ -7216,7 +7128,7 @@
               <a:t> </a:t>
             </a:r>
             <a:r>
-              <a:rPr lang="en-US" sz="4400" dirty="0" smtClean="0">
+              <a:rPr lang="en-US" sz="4800" dirty="0" smtClean="0">
                 <a:solidFill>
                   <a:srgbClr val="0000FF"/>
                 </a:solidFill>
@@ -7226,7 +7138,7 @@
               <a:t>AND</a:t>
             </a:r>
             <a:r>
-              <a:rPr lang="en-US" sz="4800" dirty="0" smtClean="0">
+              <a:rPr lang="en-US" sz="5400" dirty="0" smtClean="0">
                 <a:solidFill>
                   <a:srgbClr val="0000FF"/>
                 </a:solidFill>
@@ -7235,13 +7147,6 @@
               </a:rPr>
               <a:t>{Antecedents}</a:t>
             </a:r>
-            <a:endParaRPr lang="en-US" sz="5400" dirty="0" smtClean="0">
-              <a:solidFill>
-                <a:srgbClr val="0000FF"/>
-              </a:solidFill>
-              <a:latin typeface="Comic Sans MS"/>
-              <a:cs typeface="Comic Sans MS"/>
-            </a:endParaRPr>
           </a:p>
           <a:p>
             <a:pPr algn="l"/>
@@ -7265,21 +7170,10 @@
                 <a:cs typeface="Comic Sans MS"/>
                 <a:sym typeface="Euclid Symbol"/>
               </a:rPr>
-              <a:t>      </a:t>
-            </a:r>
-            <a:r>
-              <a:rPr lang="en-US" sz="4400" dirty="0" smtClean="0">
-                <a:solidFill>
-                  <a:srgbClr val="0000FF"/>
-                </a:solidFill>
-                <a:latin typeface="Comic Sans MS"/>
-                <a:cs typeface="Comic Sans MS"/>
-                <a:sym typeface="Euclid Symbol"/>
-              </a:rPr>
-              <a:t> </a:t>
-            </a:r>
-            <a:r>
-              <a:rPr lang="en-US" sz="4000" dirty="0" smtClean="0">
+              <a:t>       </a:t>
+            </a:r>
+            <a:r>
+              <a:rPr lang="en-US" sz="4800" dirty="0" smtClean="0">
                 <a:solidFill>
                   <a:srgbClr val="0000FF"/>
                 </a:solidFill>
@@ -7358,11 +7252,7 @@
           <a:p>
             <a:r>
               <a:rPr lang="en-US" dirty="0" smtClean="0"/>
-              <a:t>propositional </a:t>
-            </a:r>
-            <a:r>
-              <a:rPr lang="en-US" dirty="0" smtClean="0"/>
-              <a:t>logic.</a:t>
+              <a:t>propositional logic.</a:t>
             </a:r>
             <a:fld id="{3251DA95-B240-47FE-901D-B78FC8E8E532}" type="slidenum">
               <a:rPr lang="en-US" smtClean="0"/>
@@ -7762,11 +7652,7 @@
           <a:p>
             <a:r>
               <a:rPr lang="en-US" dirty="0" smtClean="0"/>
-              <a:t>propositional </a:t>
-            </a:r>
-            <a:r>
-              <a:rPr lang="en-US" dirty="0" smtClean="0"/>
-              <a:t>logic.</a:t>
+              <a:t>propositional logic.</a:t>
             </a:r>
             <a:fld id="{3251DA95-B240-47FE-901D-B78FC8E8E532}" type="slidenum">
               <a:rPr lang="en-US" smtClean="0"/>
@@ -7782,13 +7668,13 @@
   <p:clrMapOvr>
     <a:masterClrMapping/>
   </p:clrMapOvr>
-  <mc:AlternateContent xmlns:mc="http://schemas.openxmlformats.org/markup-compatibility/2006">
-    <mc:Choice xmlns:p14="http://schemas.microsoft.com/office/powerpoint/2010/main" Requires="p14">
+  <mc:AlternateContent xmlns:mc="http://schemas.openxmlformats.org/markup-compatibility/2006" xmlns:p14="http://schemas.microsoft.com/office/powerpoint/2010/main">
+    <mc:Choice Requires="p14">
       <p:transition spd="slow" p14:dur="1200" advClick="0">
         <p:fade thruBlk="1"/>
       </p:transition>
     </mc:Choice>
-    <mc:Fallback>
+    <mc:Fallback xmlns="">
       <p:transition xmlns:p14="http://schemas.microsoft.com/office/powerpoint/2010/main" spd="slow" advClick="0">
         <p:fade thruBlk="1"/>
       </p:transition>
@@ -8085,7 +7971,7 @@
 </file>
 
 <file path=ppt/slides/slide14.xml><?xml version="1.0" encoding="utf-8"?>
-<p:sld xmlns:a="http://schemas.openxmlformats.org/drawingml/2006/main" xmlns:r="http://schemas.openxmlformats.org/officeDocument/2006/relationships" xmlns:p="http://schemas.openxmlformats.org/presentationml/2006/main">
+<p:sld xmlns:a="http://schemas.openxmlformats.org/drawingml/2006/main" xmlns:r="http://schemas.openxmlformats.org/officeDocument/2006/relationships" xmlns:p="http://schemas.openxmlformats.org/presentationml/2006/main" show="0">
   <p:cSld>
     <p:spTree>
       <p:nvGrpSpPr>
@@ -8235,11 +8121,7 @@
           <a:p>
             <a:r>
               <a:rPr lang="en-US" dirty="0" smtClean="0"/>
-              <a:t>propositional </a:t>
-            </a:r>
-            <a:r>
-              <a:rPr lang="en-US" dirty="0" smtClean="0"/>
-              <a:t>logic.</a:t>
+              <a:t>propositional logic.</a:t>
             </a:r>
             <a:fld id="{3251DA95-B240-47FE-901D-B78FC8E8E532}" type="slidenum">
               <a:rPr lang="en-US" smtClean="0"/>
@@ -8272,7 +8154,7 @@
           <a:graphicData uri="http://schemas.openxmlformats.org/presentationml/2006/ole">
             <mc:AlternateContent xmlns:mc="http://schemas.openxmlformats.org/markup-compatibility/2006">
               <mc:Choice xmlns:v="urn:schemas-microsoft-com:vml" Requires="v">
-                <p:oleObj spid="_x0000_s406613" name="Equation" r:id="rId3" imgW="850900" imgH="241300" progId="Equation.DSMT4">
+                <p:oleObj spid="_x0000_s406622" name="Equation" r:id="rId3" imgW="850900" imgH="241300" progId="Equation.DSMT4">
                   <p:embed/>
                 </p:oleObj>
               </mc:Choice>
@@ -8329,7 +8211,7 @@
           <a:graphicData uri="http://schemas.openxmlformats.org/presentationml/2006/ole">
             <mc:AlternateContent xmlns:mc="http://schemas.openxmlformats.org/markup-compatibility/2006">
               <mc:Choice xmlns:v="urn:schemas-microsoft-com:vml" Requires="v">
-                <p:oleObj spid="_x0000_s406614" name="Equation" r:id="rId5" imgW="139700" imgH="215900" progId="Equation.DSMT4">
+                <p:oleObj spid="_x0000_s406623" name="Equation" r:id="rId5" imgW="139700" imgH="215900" progId="Equation.DSMT4">
                   <p:embed/>
                 </p:oleObj>
               </mc:Choice>
@@ -8386,7 +8268,7 @@
           <a:graphicData uri="http://schemas.openxmlformats.org/presentationml/2006/ole">
             <mc:AlternateContent xmlns:mc="http://schemas.openxmlformats.org/markup-compatibility/2006">
               <mc:Choice xmlns:v="urn:schemas-microsoft-com:vml" Requires="v">
-                <p:oleObj spid="_x0000_s406615" name="Equation" r:id="rId7" imgW="901700" imgH="241300" progId="Equation.DSMT4">
+                <p:oleObj spid="_x0000_s406624" name="Equation" r:id="rId7" imgW="901700" imgH="241300" progId="Equation.DSMT4">
                   <p:embed/>
                 </p:oleObj>
               </mc:Choice>
@@ -8484,7 +8366,7 @@
           <a:graphicData uri="http://schemas.openxmlformats.org/presentationml/2006/ole">
             <mc:AlternateContent xmlns:mc="http://schemas.openxmlformats.org/markup-compatibility/2006">
               <mc:Choice xmlns:v="urn:schemas-microsoft-com:vml" Requires="v">
-                <p:oleObj spid="_x0000_s406616" name="Equation" r:id="rId9" imgW="2209800" imgH="215900" progId="Equation.DSMT4">
+                <p:oleObj spid="_x0000_s406625" name="Equation" r:id="rId9" imgW="2209800" imgH="215900" progId="Equation.DSMT4">
                   <p:embed/>
                 </p:oleObj>
               </mc:Choice>
@@ -9020,11 +8902,7 @@
           <a:p>
             <a:r>
               <a:rPr lang="en-US" dirty="0" smtClean="0"/>
-              <a:t>propositional </a:t>
-            </a:r>
-            <a:r>
-              <a:rPr lang="en-US" dirty="0" smtClean="0"/>
-              <a:t>logic.</a:t>
+              <a:t>propositional logic.</a:t>
             </a:r>
             <a:fld id="{3251DA95-B240-47FE-901D-B78FC8E8E532}" type="slidenum">
               <a:rPr lang="en-US" smtClean="0"/>
@@ -9296,11 +9174,7 @@
           <a:p>
             <a:r>
               <a:rPr lang="en-US" dirty="0" smtClean="0"/>
-              <a:t>propositional </a:t>
-            </a:r>
-            <a:r>
-              <a:rPr lang="en-US" dirty="0" smtClean="0"/>
-              <a:t>logic.</a:t>
+              <a:t>propositional logic.</a:t>
             </a:r>
             <a:fld id="{3251DA95-B240-47FE-901D-B78FC8E8E532}" type="slidenum">
               <a:rPr lang="en-US" smtClean="0"/>
@@ -9333,7 +9207,7 @@
           <a:graphicData uri="http://schemas.openxmlformats.org/presentationml/2006/ole">
             <mc:AlternateContent xmlns:mc="http://schemas.openxmlformats.org/markup-compatibility/2006">
               <mc:Choice xmlns:v="urn:schemas-microsoft-com:vml" Requires="v">
-                <p:oleObj spid="_x0000_s409626" name="Equation" r:id="rId3" imgW="1854200" imgH="508000" progId="Equation.3">
+                <p:oleObj spid="_x0000_s409629" name="Equation" r:id="rId3" imgW="1854200" imgH="508000" progId="Equation.3">
                   <p:embed/>
                 </p:oleObj>
               </mc:Choice>
@@ -9657,11 +9531,7 @@
           <a:p>
             <a:r>
               <a:rPr lang="en-US" dirty="0" smtClean="0"/>
-              <a:t>propositional </a:t>
-            </a:r>
-            <a:r>
-              <a:rPr lang="en-US" dirty="0" smtClean="0"/>
-              <a:t>logic.</a:t>
+              <a:t>propositional logic.</a:t>
             </a:r>
             <a:fld id="{3251DA95-B240-47FE-901D-B78FC8E8E532}" type="slidenum">
               <a:rPr lang="en-US" smtClean="0"/>
@@ -9694,7 +9564,7 @@
           <a:graphicData uri="http://schemas.openxmlformats.org/presentationml/2006/ole">
             <mc:AlternateContent xmlns:mc="http://schemas.openxmlformats.org/markup-compatibility/2006">
               <mc:Choice xmlns:v="urn:schemas-microsoft-com:vml" Requires="v">
-                <p:oleObj spid="_x0000_s408616" name="Equation" r:id="rId3" imgW="1854200" imgH="533400" progId="Equation.DSMT4">
+                <p:oleObj spid="_x0000_s408621" name="Equation" r:id="rId3" imgW="1854200" imgH="533400" progId="Equation.DSMT4">
                   <p:embed/>
                 </p:oleObj>
               </mc:Choice>
@@ -9845,7 +9715,7 @@
           <a:graphicData uri="http://schemas.openxmlformats.org/presentationml/2006/ole">
             <mc:AlternateContent xmlns:mc="http://schemas.openxmlformats.org/markup-compatibility/2006">
               <mc:Choice xmlns:v="urn:schemas-microsoft-com:vml" Requires="v">
-                <p:oleObj spid="_x0000_s408617" name="Equation" r:id="rId5" imgW="546100" imgH="241300" progId="Equation.DSMT4">
+                <p:oleObj spid="_x0000_s408622" name="Equation" r:id="rId5" imgW="546100" imgH="241300" progId="Equation.DSMT4">
                   <p:embed/>
                 </p:oleObj>
               </mc:Choice>
@@ -10087,11 +9957,7 @@
           <a:p>
             <a:r>
               <a:rPr lang="en-US" dirty="0" smtClean="0"/>
-              <a:t>propositional </a:t>
-            </a:r>
-            <a:r>
-              <a:rPr lang="en-US" dirty="0" smtClean="0"/>
-              <a:t>logic.</a:t>
+              <a:t>propositional logic.</a:t>
             </a:r>
             <a:fld id="{3251DA95-B240-47FE-901D-B78FC8E8E532}" type="slidenum">
               <a:rPr lang="en-US" smtClean="0"/>
@@ -10124,7 +9990,7 @@
           <a:graphicData uri="http://schemas.openxmlformats.org/presentationml/2006/ole">
             <mc:AlternateContent xmlns:mc="http://schemas.openxmlformats.org/markup-compatibility/2006">
               <mc:Choice xmlns:v="urn:schemas-microsoft-com:vml" Requires="v">
-                <p:oleObj spid="_x0000_s410649" name="Equation" r:id="rId3" imgW="1955800" imgH="533400" progId="Equation.DSMT4">
+                <p:oleObj spid="_x0000_s410652" name="Equation" r:id="rId3" imgW="1955800" imgH="533400" progId="Equation.DSMT4">
                   <p:embed/>
                 </p:oleObj>
               </mc:Choice>
@@ -10622,11 +10488,7 @@
           <a:p>
             <a:r>
               <a:rPr lang="en-US" dirty="0" smtClean="0"/>
-              <a:t>propositional </a:t>
-            </a:r>
-            <a:r>
-              <a:rPr lang="en-US" dirty="0" smtClean="0"/>
-              <a:t>logic.</a:t>
+              <a:t>propositional logic.</a:t>
             </a:r>
             <a:fld id="{3251DA95-B240-47FE-901D-B78FC8E8E532}" type="slidenum">
               <a:rPr lang="en-US" smtClean="0"/>
@@ -10659,7 +10521,7 @@
           <a:graphicData uri="http://schemas.openxmlformats.org/presentationml/2006/ole">
             <mc:AlternateContent xmlns:mc="http://schemas.openxmlformats.org/markup-compatibility/2006">
               <mc:Choice xmlns:v="urn:schemas-microsoft-com:vml" Requires="v">
-                <p:oleObj spid="_x0000_s411672" name="Equation" r:id="rId3" imgW="1955800" imgH="533400" progId="Equation.DSMT4">
+                <p:oleObj spid="_x0000_s411675" name="Equation" r:id="rId3" imgW="1955800" imgH="533400" progId="Equation.DSMT4">
                   <p:embed/>
                 </p:oleObj>
               </mc:Choice>
@@ -12177,24 +12039,7 @@
                 <a:ea typeface="+mn-ea"/>
                 <a:cs typeface="+mn-cs"/>
               </a:rPr>
-              <a:t>propositional </a:t>
-            </a:r>
-            <a:r>
-              <a:rPr kumimoji="0" lang="en-US" sz="1200" b="0" i="0" u="none" strike="noStrike" kern="1200" cap="none" spc="0" normalizeH="0" baseline="0" noProof="0" dirty="0" smtClean="0">
-                <a:ln>
-                  <a:noFill/>
-                </a:ln>
-                <a:solidFill>
-                  <a:schemeClr val="tx1"/>
-                </a:solidFill>
-                <a:effectLst/>
-                <a:uLnTx/>
-                <a:uFillTx/>
-                <a:latin typeface="Comic Sans MS" pitchFamily="66" charset="0"/>
-                <a:ea typeface="+mn-ea"/>
-                <a:cs typeface="+mn-cs"/>
-              </a:rPr>
-              <a:t>logic.</a:t>
+              <a:t>propositional logic.</a:t>
             </a:r>
             <a:fld id="{0150943C-9303-41DF-A6FA-7E32D6C5D18E}" type="slidenum">
               <a:rPr kumimoji="0" lang="en-US" sz="1200" b="0" i="0" u="none" strike="noStrike" kern="1200" cap="none" spc="0" normalizeH="0" baseline="0" noProof="0" smtClean="0">
@@ -12716,11 +12561,7 @@
           <a:p>
             <a:r>
               <a:rPr lang="en-US" dirty="0" smtClean="0"/>
-              <a:t>propositional </a:t>
-            </a:r>
-            <a:r>
-              <a:rPr lang="en-US" dirty="0" smtClean="0"/>
-              <a:t>logic.</a:t>
+              <a:t>propositional logic.</a:t>
             </a:r>
             <a:fld id="{3251DA95-B240-47FE-901D-B78FC8E8E532}" type="slidenum">
               <a:rPr lang="en-US" smtClean="0"/>
@@ -12753,7 +12594,7 @@
           <a:graphicData uri="http://schemas.openxmlformats.org/presentationml/2006/ole">
             <mc:AlternateContent xmlns:mc="http://schemas.openxmlformats.org/markup-compatibility/2006">
               <mc:Choice xmlns:v="urn:schemas-microsoft-com:vml" Requires="v">
-                <p:oleObj spid="_x0000_s412695" name="Equation" r:id="rId3" imgW="1955800" imgH="482600" progId="Equation.3">
+                <p:oleObj spid="_x0000_s412698" name="Equation" r:id="rId3" imgW="1955800" imgH="482600" progId="Equation.3">
                   <p:embed/>
                 </p:oleObj>
               </mc:Choice>
@@ -13165,11 +13006,7 @@
           <a:p>
             <a:r>
               <a:rPr lang="en-US" dirty="0" smtClean="0"/>
-              <a:t>propositional </a:t>
-            </a:r>
-            <a:r>
-              <a:rPr lang="en-US" dirty="0" smtClean="0"/>
-              <a:t>logic.</a:t>
+              <a:t>propositional logic.</a:t>
             </a:r>
             <a:fld id="{3251DA95-B240-47FE-901D-B78FC8E8E532}" type="slidenum">
               <a:rPr lang="en-US" smtClean="0"/>
@@ -13202,7 +13039,7 @@
           <a:graphicData uri="http://schemas.openxmlformats.org/presentationml/2006/ole">
             <mc:AlternateContent xmlns:mc="http://schemas.openxmlformats.org/markup-compatibility/2006">
               <mc:Choice xmlns:v="urn:schemas-microsoft-com:vml" Requires="v">
-                <p:oleObj spid="_x0000_s413719" name="Equation" r:id="rId3" imgW="546100" imgH="215900" progId="Equation.DSMT4">
+                <p:oleObj spid="_x0000_s413722" name="Equation" r:id="rId3" imgW="546100" imgH="215900" progId="Equation.DSMT4">
                   <p:embed/>
                 </p:oleObj>
               </mc:Choice>
@@ -13416,7 +13253,10 @@
               <a:t>            So </a:t>
             </a:r>
             <a:r>
-              <a:rPr lang="en-US" sz="5400" i="1" dirty="0" smtClean="0">
+              <a:rPr lang="en-US" sz="5400" dirty="0" smtClean="0">
+                <a:solidFill>
+                  <a:srgbClr val="BB0FAB"/>
+                </a:solidFill>
                 <a:latin typeface="Comic Sans MS" pitchFamily="66" charset="0"/>
               </a:rPr>
               <a:t>every provable </a:t>
@@ -13424,21 +13264,24 @@
           </a:p>
           <a:p>
             <a:r>
-              <a:rPr lang="en-US" sz="5400" i="1" dirty="0" smtClean="0">
+              <a:rPr lang="en-US" sz="5400" dirty="0" smtClean="0">
+                <a:solidFill>
+                  <a:srgbClr val="BB0FAB"/>
+                </a:solidFill>
                 <a:latin typeface="Comic Sans MS" pitchFamily="66" charset="0"/>
               </a:rPr>
-              <a:t>formula</a:t>
+              <a:t>formula is</a:t>
             </a:r>
             <a:r>
               <a:rPr lang="en-US" sz="5400" dirty="0" smtClean="0">
                 <a:latin typeface="Comic Sans MS" pitchFamily="66" charset="0"/>
               </a:rPr>
-              <a:t> is also </a:t>
+              <a:t> also </a:t>
             </a:r>
             <a:r>
               <a:rPr lang="en-US" sz="5400" dirty="0" smtClean="0">
                 <a:solidFill>
-                  <a:srgbClr val="008000"/>
+                  <a:srgbClr val="BB0FAB"/>
                 </a:solidFill>
                 <a:latin typeface="Comic Sans MS" pitchFamily="66" charset="0"/>
               </a:rPr>
@@ -13533,7 +13376,7 @@
               <a:defRPr/>
             </a:pPr>
             <a:r>
-              <a:rPr kumimoji="0" lang="en-US" sz="3600" b="1" i="0" u="none" strike="noStrike" kern="0" cap="none" spc="0" normalizeH="0" baseline="0" noProof="0" dirty="0" err="1" smtClean="0">
+              <a:rPr kumimoji="0" lang="en-US" sz="4000" b="1" i="0" u="none" strike="noStrike" kern="0" cap="none" spc="0" normalizeH="0" baseline="0" noProof="0" dirty="0" err="1" smtClean="0">
                 <a:ln>
                   <a:noFill/>
                 </a:ln>
@@ -13550,6 +13393,40 @@
               <a:t>Lukasiewicz</a:t>
             </a:r>
             <a:r>
+              <a:rPr kumimoji="0" lang="en-US" sz="4000" b="1" i="0" u="none" strike="noStrike" kern="0" cap="none" spc="0" normalizeH="0" baseline="0" noProof="0" dirty="0" smtClean="0">
+                <a:ln>
+                  <a:noFill/>
+                </a:ln>
+                <a:solidFill>
+                  <a:schemeClr val="tx2"/>
+                </a:solidFill>
+                <a:effectLst/>
+                <a:uLnTx/>
+                <a:uFillTx/>
+                <a:latin typeface="Comic Sans MS" pitchFamily="66" charset="0"/>
+                <a:ea typeface="+mj-ea"/>
+                <a:cs typeface="+mj-cs"/>
+              </a:rPr>
+              <a:t> </a:t>
+            </a:r>
+            <a:r>
+              <a:rPr kumimoji="0" lang="en-US" sz="4000" b="1" i="0" u="none" strike="noStrike" kern="0" cap="none" spc="0" normalizeH="0" baseline="0" noProof="0" dirty="0" smtClean="0">
+                <a:ln>
+                  <a:noFill/>
+                </a:ln>
+                <a:solidFill>
+                  <a:schemeClr val="tx2"/>
+                </a:solidFill>
+                <a:effectLst/>
+                <a:uLnTx/>
+                <a:uFillTx/>
+                <a:latin typeface="Comic Sans MS" pitchFamily="66" charset="0"/>
+                <a:ea typeface="+mj-ea"/>
+                <a:cs typeface="+mj-cs"/>
+              </a:rPr>
+              <a:t>is</a:t>
+            </a:r>
+            <a:r>
               <a:rPr kumimoji="0" lang="en-US" sz="3600" b="1" i="0" u="none" strike="noStrike" kern="0" cap="none" spc="0" normalizeH="0" baseline="0" noProof="0" dirty="0" smtClean="0">
                 <a:ln>
                   <a:noFill/>
@@ -13564,15 +13441,15 @@
                 <a:ea typeface="+mj-ea"/>
                 <a:cs typeface="+mj-cs"/>
               </a:rPr>
-              <a:t>’ System is </a:t>
-            </a:r>
-            <a:r>
-              <a:rPr kumimoji="0" lang="en-US" sz="3600" b="1" i="0" u="none" strike="noStrike" kern="0" cap="none" spc="0" normalizeH="0" baseline="0" noProof="0" dirty="0" smtClean="0">
+              <a:t> </a:t>
+            </a:r>
+            <a:r>
+              <a:rPr kumimoji="0" lang="en-US" sz="5400" b="1" i="0" u="none" strike="noStrike" kern="0" cap="none" spc="0" normalizeH="0" baseline="0" noProof="0" dirty="0" smtClean="0">
                 <a:ln>
                   <a:noFill/>
                 </a:ln>
                 <a:solidFill>
-                  <a:srgbClr val="008000"/>
+                  <a:srgbClr val="BB0FAB"/>
                 </a:solidFill>
                 <a:effectLst/>
                 <a:uLnTx/>
@@ -13588,7 +13465,7 @@
                 <a:noFill/>
               </a:ln>
               <a:solidFill>
-                <a:srgbClr val="008000"/>
+                <a:srgbClr val="BB0FAB"/>
               </a:solidFill>
               <a:effectLst/>
               <a:uLnTx/>
@@ -13622,11 +13499,7 @@
           <a:p>
             <a:r>
               <a:rPr lang="en-US" dirty="0" smtClean="0"/>
-              <a:t>propositional </a:t>
-            </a:r>
-            <a:r>
-              <a:rPr lang="en-US" dirty="0" smtClean="0"/>
-              <a:t>logic.</a:t>
+              <a:t>propositional logic.</a:t>
             </a:r>
             <a:fld id="{3251DA95-B240-47FE-901D-B78FC8E8E532}" type="slidenum">
               <a:rPr lang="en-US" smtClean="0"/>
@@ -13921,8 +13794,8 @@
         </p:nvSpPr>
         <p:spPr>
           <a:xfrm>
-            <a:off x="483444" y="1448974"/>
-            <a:ext cx="8216055" cy="5028026"/>
+            <a:off x="190500" y="1460500"/>
+            <a:ext cx="8661400" cy="5016500"/>
           </a:xfrm>
         </p:spPr>
         <p:txBody>
@@ -13934,126 +13807,150 @@
               <a:t>Conversely, </a:t>
             </a:r>
             <a:r>
-              <a:rPr lang="en-US" sz="4800" i="1" dirty="0" smtClean="0"/>
-              <a:t>every  </a:t>
-            </a:r>
-            <a:r>
               <a:rPr lang="en-US" sz="4800" dirty="0" smtClean="0">
-                <a:solidFill>
-                  <a:srgbClr val="008000"/>
-                </a:solidFill>
-              </a:rPr>
-              <a:t>valid</a:t>
-            </a:r>
-            <a:endParaRPr lang="en-US" sz="4800" i="1" dirty="0" smtClean="0"/>
-          </a:p>
-          <a:p>
-            <a:r>
-              <a:rPr lang="en-US" sz="4800" dirty="0" smtClean="0"/>
-              <a:t>(</a:t>
-            </a:r>
-            <a:r>
-              <a:rPr lang="en-US" sz="4000" dirty="0" smtClean="0">
-                <a:solidFill>
-                  <a:srgbClr val="0000FF"/>
-                </a:solidFill>
-                <a:latin typeface="cmsy10"/>
-              </a:rPr>
-              <a:t>NOT</a:t>
-            </a:r>
-            <a:r>
-              <a:rPr lang="en-US" sz="4800" dirty="0" smtClean="0"/>
-              <a:t>,</a:t>
-            </a:r>
-            <a:r>
-              <a:rPr lang="en-US" sz="4800" dirty="0" smtClean="0">
-                <a:solidFill>
-                  <a:srgbClr val="0000FF"/>
-                </a:solidFill>
-              </a:rPr>
-              <a:t>→</a:t>
-            </a:r>
-            <a:r>
-              <a:rPr lang="en-US" sz="4800" dirty="0" smtClean="0"/>
-              <a:t>)-formula is </a:t>
-            </a:r>
-            <a:r>
-              <a:rPr lang="en-US" sz="4800" i="1" dirty="0" smtClean="0"/>
-              <a:t>provable</a:t>
-            </a:r>
-            <a:r>
-              <a:rPr lang="en-US" sz="4800" dirty="0" smtClean="0"/>
-              <a:t>.</a:t>
-            </a:r>
-          </a:p>
-          <a:p>
-            <a:r>
-              <a:rPr lang="en-US" sz="4800" dirty="0" smtClean="0"/>
-              <a:t>System is “</a:t>
-            </a:r>
-            <a:r>
-              <a:rPr lang="en-US" sz="6000" dirty="0" smtClean="0">
-                <a:solidFill>
-                  <a:srgbClr val="008000"/>
-                </a:solidFill>
-              </a:rPr>
-              <a:t>complete</a:t>
-            </a:r>
-            <a:r>
-              <a:rPr lang="en-US" sz="4800" dirty="0" smtClean="0"/>
-              <a:t>”.</a:t>
-            </a:r>
-          </a:p>
-          <a:p>
-            <a:r>
-              <a:rPr lang="en-US" sz="4000" dirty="0" smtClean="0">
                 <a:solidFill>
                   <a:srgbClr val="BB0FAB"/>
                 </a:solidFill>
               </a:rPr>
-              <a:t>Not hard to </a:t>
-            </a:r>
-            <a:r>
-              <a:rPr lang="en-US" sz="4000" dirty="0" smtClean="0">
+              <a:t>every</a:t>
+            </a:r>
+            <a:r>
+              <a:rPr lang="en-US" sz="4800" i="1" dirty="0" smtClean="0">
                 <a:solidFill>
                   <a:srgbClr val="BB0FAB"/>
                 </a:solidFill>
               </a:rPr>
-              <a:t>verify but would </a:t>
-            </a:r>
-            <a:r>
-              <a:rPr lang="en-US" sz="4000" dirty="0" smtClean="0">
+              <a:t> </a:t>
+            </a:r>
+            <a:r>
+              <a:rPr lang="en-US" sz="4800" dirty="0" smtClean="0">
                 <a:solidFill>
                   <a:srgbClr val="BB0FAB"/>
                 </a:solidFill>
               </a:rPr>
-              <a:t>take</a:t>
-            </a:r>
-          </a:p>
-          <a:p>
-            <a:r>
-              <a:rPr lang="en-US" sz="4000" dirty="0" smtClean="0">
+              <a:t>valid</a:t>
+            </a:r>
+            <a:endParaRPr lang="en-US" sz="4800" i="1" dirty="0" smtClean="0">
+              <a:solidFill>
+                <a:srgbClr val="BB0FAB"/>
+              </a:solidFill>
+            </a:endParaRPr>
+          </a:p>
+          <a:p>
+            <a:r>
+              <a:rPr lang="en-US" sz="4800" dirty="0" smtClean="0">
                 <a:solidFill>
                   <a:srgbClr val="BB0FAB"/>
                 </a:solidFill>
               </a:rPr>
-              <a:t>a </a:t>
+              <a:t>(</a:t>
             </a:r>
             <a:r>
               <a:rPr lang="en-US" sz="4000" dirty="0" smtClean="0">
+                <a:solidFill>
+                  <a:schemeClr val="accent5">
+                    <a:lumMod val="50000"/>
+                  </a:schemeClr>
+                </a:solidFill>
+                <a:latin typeface="Comic Sans MS"/>
+                <a:cs typeface="Comic Sans MS"/>
+              </a:rPr>
+              <a:t>NOT</a:t>
+            </a:r>
+            <a:r>
+              <a:rPr lang="en-US" sz="4800" dirty="0" smtClean="0">
                 <a:solidFill>
                   <a:srgbClr val="BB0FAB"/>
                 </a:solidFill>
               </a:rPr>
-              <a:t>full lecture; </a:t>
-            </a:r>
-            <a:r>
-              <a:rPr lang="en-US" sz="4000" dirty="0" smtClean="0">
+              <a:t>,</a:t>
+            </a:r>
+            <a:r>
+              <a:rPr lang="en-US" sz="4800" b="1" dirty="0" smtClean="0">
+                <a:solidFill>
+                  <a:srgbClr val="0000F1"/>
+                </a:solidFill>
+                <a:latin typeface="Euclid Symbol" charset="2"/>
+                <a:cs typeface="Euclid Symbol" charset="2"/>
+              </a:rPr>
+              <a:t>→</a:t>
+            </a:r>
+            <a:r>
+              <a:rPr lang="en-US" sz="4800" dirty="0" smtClean="0">
                 <a:solidFill>
                   <a:srgbClr val="BB0FAB"/>
                 </a:solidFill>
               </a:rPr>
-              <a:t>we omit it.</a:t>
+              <a:t>)-formula is</a:t>
+            </a:r>
+            <a:r>
+              <a:rPr lang="en-US" sz="4800" dirty="0" smtClean="0"/>
+              <a:t> </a:t>
+            </a:r>
+            <a:r>
+              <a:rPr lang="en-US" sz="4800" dirty="0" smtClean="0">
+                <a:solidFill>
+                  <a:srgbClr val="BB0FAB"/>
+                </a:solidFill>
+              </a:rPr>
+              <a:t>provable</a:t>
+            </a:r>
+            <a:r>
+              <a:rPr lang="en-US" sz="4800" dirty="0"/>
+              <a:t>:</a:t>
+            </a:r>
+            <a:endParaRPr lang="en-US" sz="4800" dirty="0" smtClean="0"/>
+          </a:p>
+          <a:p>
+            <a:pPr algn="ctr"/>
+            <a:r>
+              <a:rPr lang="en-US" sz="4800" dirty="0"/>
+              <a:t>s</a:t>
+            </a:r>
+            <a:r>
+              <a:rPr lang="en-US" sz="4800" dirty="0" smtClean="0"/>
+              <a:t>ystem </a:t>
+            </a:r>
+            <a:r>
+              <a:rPr lang="en-US" sz="4800" dirty="0" smtClean="0"/>
+              <a:t>is </a:t>
+            </a:r>
+            <a:r>
+              <a:rPr lang="en-US" sz="4800" dirty="0" smtClean="0"/>
+              <a:t>“</a:t>
+            </a:r>
+            <a:r>
+              <a:rPr lang="en-US" sz="5400" dirty="0" smtClean="0"/>
+              <a:t>complete</a:t>
+            </a:r>
+            <a:r>
+              <a:rPr lang="en-US" sz="4800" dirty="0" smtClean="0"/>
+              <a:t>”</a:t>
+            </a:r>
+            <a:endParaRPr lang="en-US" sz="4800" dirty="0" smtClean="0"/>
+          </a:p>
+          <a:p>
+            <a:r>
+              <a:rPr lang="en-US" sz="4000" dirty="0" smtClean="0">
+                <a:solidFill>
+                  <a:schemeClr val="accent1">
+                    <a:lumMod val="50000"/>
+                  </a:schemeClr>
+                </a:solidFill>
+              </a:rPr>
+              <a:t>Not hard to verify but would take</a:t>
+            </a:r>
+          </a:p>
+          <a:p>
+            <a:r>
+              <a:rPr lang="en-US" sz="4000" dirty="0" smtClean="0">
+                <a:solidFill>
+                  <a:schemeClr val="accent1">
+                    <a:lumMod val="50000"/>
+                  </a:schemeClr>
+                </a:solidFill>
+              </a:rPr>
+              <a:t>a full lecture; we omit it.</a:t>
             </a:r>
           </a:p>
         </p:txBody>
@@ -14079,24 +13976,28 @@
           <a:lstStyle/>
           <a:p>
             <a:r>
-              <a:rPr lang="en-US" sz="3600" dirty="0" err="1" smtClean="0"/>
+              <a:rPr lang="en-US" sz="4000" dirty="0" err="1" smtClean="0"/>
               <a:t>Lukasiewicz</a:t>
             </a:r>
             <a:r>
+              <a:rPr lang="en-US" sz="4000" dirty="0" smtClean="0"/>
+              <a:t> is</a:t>
+            </a:r>
+            <a:r>
               <a:rPr lang="en-US" sz="3600" dirty="0" smtClean="0"/>
-              <a:t>’ System is </a:t>
-            </a:r>
-            <a:r>
-              <a:rPr lang="en-US" sz="3600" dirty="0" smtClean="0">
+              <a:t> </a:t>
+            </a:r>
+            <a:r>
+              <a:rPr lang="en-US" sz="4800" dirty="0" smtClean="0">
                 <a:solidFill>
-                  <a:srgbClr val="008000"/>
+                  <a:srgbClr val="BB0FAB"/>
                 </a:solidFill>
               </a:rPr>
               <a:t>Complete</a:t>
             </a:r>
-            <a:endParaRPr lang="en-US" sz="3600" dirty="0">
+            <a:endParaRPr lang="en-US" sz="4800" dirty="0">
               <a:solidFill>
-                <a:srgbClr val="008000"/>
+                <a:srgbClr val="BB0FAB"/>
               </a:solidFill>
             </a:endParaRPr>
           </a:p>
@@ -14124,11 +14025,7 @@
           <a:p>
             <a:r>
               <a:rPr lang="en-US" dirty="0" smtClean="0"/>
-              <a:t>propositional </a:t>
-            </a:r>
-            <a:r>
-              <a:rPr lang="en-US" dirty="0" smtClean="0"/>
-              <a:t>logic.</a:t>
+              <a:t>propositional logic.</a:t>
             </a:r>
             <a:fld id="{3251DA95-B240-47FE-901D-B78FC8E8E532}" type="slidenum">
               <a:rPr lang="en-US" smtClean="0"/>
@@ -14213,30 +14110,21 @@
                             </p:childTnLst>
                           </p:cTn>
                         </p:par>
-                      </p:childTnLst>
-                    </p:cTn>
-                  </p:par>
-                  <p:par>
-                    <p:cTn id="8" fill="hold">
-                      <p:stCondLst>
-                        <p:cond delay="indefinite"/>
-                      </p:stCondLst>
-                      <p:childTnLst>
                         <p:par>
-                          <p:cTn id="9" fill="hold">
+                          <p:cTn id="8" fill="hold">
                             <p:stCondLst>
-                              <p:cond delay="0"/>
+                              <p:cond delay="500"/>
                             </p:stCondLst>
                             <p:childTnLst>
                               <p:par>
-                                <p:cTn id="10" presetID="15" presetClass="entr" presetSubtype="0" fill="hold" grpId="0" nodeType="clickEffect">
+                                <p:cTn id="9" presetID="15" presetClass="entr" presetSubtype="0" fill="hold" grpId="0" nodeType="afterEffect">
                                   <p:stCondLst>
                                     <p:cond delay="0"/>
                                   </p:stCondLst>
                                   <p:childTnLst>
                                     <p:set>
                                       <p:cBhvr>
-                                        <p:cTn id="11" dur="1" fill="hold">
+                                        <p:cTn id="10" dur="1" fill="hold">
                                           <p:stCondLst>
                                             <p:cond delay="0"/>
                                           </p:stCondLst>
@@ -14254,7 +14142,7 @@
                                     </p:set>
                                     <p:anim calcmode="lin" valueType="num">
                                       <p:cBhvr>
-                                        <p:cTn id="12" dur="1000" fill="hold"/>
+                                        <p:cTn id="11" dur="1000" fill="hold"/>
                                         <p:tgtEl>
                                           <p:spTgt spid="2"/>
                                         </p:tgtEl>
@@ -14277,7 +14165,7 @@
                                     </p:anim>
                                     <p:anim calcmode="lin" valueType="num">
                                       <p:cBhvr>
-                                        <p:cTn id="13" dur="1000" fill="hold"/>
+                                        <p:cTn id="12" dur="1000" fill="hold"/>
                                         <p:tgtEl>
                                           <p:spTgt spid="2"/>
                                         </p:tgtEl>
@@ -14300,7 +14188,7 @@
                                     </p:anim>
                                     <p:anim calcmode="lin" valueType="num">
                                       <p:cBhvr>
-                                        <p:cTn id="14" dur="1000" fill="hold"/>
+                                        <p:cTn id="13" dur="1000" fill="hold"/>
                                         <p:tgtEl>
                                           <p:spTgt spid="2"/>
                                         </p:tgtEl>
@@ -14323,7 +14211,7 @@
                                     </p:anim>
                                     <p:anim calcmode="lin" valueType="num">
                                       <p:cBhvr>
-                                        <p:cTn id="15" dur="1000" fill="hold"/>
+                                        <p:cTn id="14" dur="1000" fill="hold"/>
                                         <p:tgtEl>
                                           <p:spTgt spid="2"/>
                                         </p:tgtEl>
@@ -14354,26 +14242,26 @@
                     </p:cTn>
                   </p:par>
                   <p:par>
-                    <p:cTn id="16" fill="hold">
+                    <p:cTn id="15" fill="hold">
                       <p:stCondLst>
                         <p:cond delay="indefinite"/>
                       </p:stCondLst>
                       <p:childTnLst>
                         <p:par>
-                          <p:cTn id="17" fill="hold">
+                          <p:cTn id="16" fill="hold">
                             <p:stCondLst>
                               <p:cond delay="0"/>
                             </p:stCondLst>
                             <p:childTnLst>
                               <p:par>
-                                <p:cTn id="18" presetID="10" presetClass="entr" presetSubtype="0" fill="hold" nodeType="clickEffect">
+                                <p:cTn id="17" presetID="10" presetClass="entr" presetSubtype="0" fill="hold" nodeType="clickEffect">
                                   <p:stCondLst>
                                     <p:cond delay="0"/>
                                   </p:stCondLst>
                                   <p:childTnLst>
                                     <p:set>
                                       <p:cBhvr>
-                                        <p:cTn id="19" dur="1" fill="hold">
+                                        <p:cTn id="18" dur="1" fill="hold">
                                           <p:stCondLst>
                                             <p:cond delay="0"/>
                                           </p:stCondLst>
@@ -14395,7 +14283,7 @@
                                     </p:set>
                                     <p:animEffect transition="in" filter="fade">
                                       <p:cBhvr>
-                                        <p:cTn id="20" dur="500"/>
+                                        <p:cTn id="19" dur="500"/>
                                         <p:tgtEl>
                                           <p:spTgt spid="3">
                                             <p:txEl>
@@ -14409,14 +14297,14 @@
                                 </p:cTn>
                               </p:par>
                               <p:par>
-                                <p:cTn id="21" presetID="9" presetClass="entr" presetSubtype="0" fill="hold" nodeType="withEffect">
+                                <p:cTn id="20" presetID="9" presetClass="entr" presetSubtype="0" fill="hold" nodeType="withEffect">
                                   <p:stCondLst>
                                     <p:cond delay="0"/>
                                   </p:stCondLst>
                                   <p:childTnLst>
                                     <p:set>
                                       <p:cBhvr>
-                                        <p:cTn id="22" dur="1" fill="hold">
+                                        <p:cTn id="21" dur="1" fill="hold">
                                           <p:stCondLst>
                                             <p:cond delay="0"/>
                                           </p:stCondLst>
@@ -14438,7 +14326,7 @@
                                     </p:set>
                                     <p:animEffect transition="in" filter="dissolve">
                                       <p:cBhvr>
-                                        <p:cTn id="23" dur="500"/>
+                                        <p:cTn id="22" dur="500"/>
                                         <p:tgtEl>
                                           <p:spTgt spid="3">
                                             <p:txEl>
@@ -14574,7 +14462,7 @@
             <a:r>
               <a:rPr lang="en-US" sz="4800" dirty="0" smtClean="0">
                 <a:solidFill>
-                  <a:srgbClr val="CC0099"/>
+                  <a:srgbClr val="0000F1"/>
                 </a:solidFill>
                 <a:latin typeface="Comic Sans MS" pitchFamily="66" charset="0"/>
               </a:rPr>
@@ -14586,7 +14474,7 @@
             <a:r>
               <a:rPr lang="en-US" sz="4800" dirty="0" smtClean="0">
                 <a:solidFill>
-                  <a:srgbClr val="CC0099"/>
+                  <a:srgbClr val="0000F1"/>
                 </a:solidFill>
                 <a:latin typeface="Comic Sans MS" pitchFamily="66" charset="0"/>
               </a:rPr>
@@ -14594,7 +14482,7 @@
             </a:r>
             <a:endParaRPr lang="en-US" sz="4800" dirty="0">
               <a:solidFill>
-                <a:srgbClr val="CC0099"/>
+                <a:srgbClr val="0000F1"/>
               </a:solidFill>
               <a:latin typeface="Comic Sans MS" pitchFamily="66" charset="0"/>
             </a:endParaRPr>
@@ -14623,11 +14511,7 @@
           <a:p>
             <a:r>
               <a:rPr lang="en-US" dirty="0" smtClean="0"/>
-              <a:t>propositional </a:t>
-            </a:r>
-            <a:r>
-              <a:rPr lang="en-US" dirty="0" smtClean="0"/>
-              <a:t>logic.</a:t>
+              <a:t>propositional logic.</a:t>
             </a:r>
             <a:fld id="{3251DA95-B240-47FE-901D-B78FC8E8E532}" type="slidenum">
               <a:rPr lang="en-US" smtClean="0"/>
@@ -14896,11 +14780,7 @@
           <a:p>
             <a:r>
               <a:rPr lang="en-US" dirty="0" smtClean="0"/>
-              <a:t>propositional </a:t>
-            </a:r>
-            <a:r>
-              <a:rPr lang="en-US" dirty="0" smtClean="0"/>
-              <a:t>logic.</a:t>
+              <a:t>propositional logic.</a:t>
             </a:r>
             <a:fld id="{3251DA95-B240-47FE-901D-B78FC8E8E532}" type="slidenum">
               <a:rPr lang="en-US" smtClean="0"/>
@@ -15037,13 +14917,13 @@
   <p:clrMapOvr>
     <a:masterClrMapping/>
   </p:clrMapOvr>
-  <mc:AlternateContent xmlns:mc="http://schemas.openxmlformats.org/markup-compatibility/2006">
-    <mc:Choice xmlns:p14="http://schemas.microsoft.com/office/powerpoint/2010/main" Requires="p14">
+  <mc:AlternateContent xmlns:mc="http://schemas.openxmlformats.org/markup-compatibility/2006" xmlns:p14="http://schemas.microsoft.com/office/powerpoint/2010/main">
+    <mc:Choice Requires="p14">
       <p:transition spd="slow" p14:dur="1200" advClick="0">
         <p:fade thruBlk="1"/>
       </p:transition>
     </mc:Choice>
-    <mc:Fallback>
+    <mc:Fallback xmlns="">
       <p:transition xmlns:p14="http://schemas.microsoft.com/office/powerpoint/2010/main" spd="slow" advClick="0">
         <p:fade thruBlk="1"/>
       </p:transition>
@@ -15099,11 +14979,7 @@
           <a:p>
             <a:r>
               <a:rPr lang="en-US" dirty="0" smtClean="0"/>
-              <a:t>propositional </a:t>
-            </a:r>
-            <a:r>
-              <a:rPr lang="en-US" dirty="0" smtClean="0"/>
-              <a:t>logic.</a:t>
+              <a:t>propositional logic.</a:t>
             </a:r>
             <a:fld id="{0150943C-9303-41DF-A6FA-7E32D6C5D18E}" type="slidenum">
               <a:rPr lang="en-US" smtClean="0"/>
@@ -15164,7 +15040,7 @@
           <a:graphicData uri="http://schemas.openxmlformats.org/presentationml/2006/ole">
             <mc:AlternateContent xmlns:mc="http://schemas.openxmlformats.org/markup-compatibility/2006">
               <mc:Choice xmlns:v="urn:schemas-microsoft-com:vml" Requires="v">
-                <p:oleObj spid="_x0000_s339008" name="Equation" r:id="rId4" imgW="876300" imgH="1130300" progId="Equation.DSMT4">
+                <p:oleObj spid="_x0000_s339011" name="Equation" r:id="rId4" imgW="876300" imgH="1130300" progId="Equation.DSMT4">
                   <p:embed/>
                 </p:oleObj>
               </mc:Choice>
@@ -15424,11 +15300,7 @@
           <a:p>
             <a:r>
               <a:rPr lang="en-US" dirty="0" smtClean="0"/>
-              <a:t>propositional </a:t>
-            </a:r>
-            <a:r>
-              <a:rPr lang="en-US" dirty="0" smtClean="0"/>
-              <a:t>logic.</a:t>
+              <a:t>propositional logic.</a:t>
             </a:r>
             <a:fld id="{0150943C-9303-41DF-A6FA-7E32D6C5D18E}" type="slidenum">
               <a:rPr lang="en-US" smtClean="0"/>
@@ -15489,7 +15361,7 @@
           <a:graphicData uri="http://schemas.openxmlformats.org/presentationml/2006/ole">
             <mc:AlternateContent xmlns:mc="http://schemas.openxmlformats.org/markup-compatibility/2006">
               <mc:Choice xmlns:v="urn:schemas-microsoft-com:vml" Requires="v">
-                <p:oleObj spid="_x0000_s400449" name="Equation" r:id="rId5" imgW="2349500" imgH="1016000" progId="Equation.DSMT4">
+                <p:oleObj spid="_x0000_s400452" name="Equation" r:id="rId5" imgW="2349500" imgH="1016000" progId="Equation.DSMT4">
                   <p:embed/>
                 </p:oleObj>
               </mc:Choice>
@@ -16419,24 +16291,7 @@
                 <a:ea typeface="+mn-ea"/>
                 <a:cs typeface="+mn-cs"/>
               </a:rPr>
-              <a:t>propositional </a:t>
-            </a:r>
-            <a:r>
-              <a:rPr kumimoji="0" lang="en-US" sz="1200" b="0" i="0" u="none" strike="noStrike" kern="1200" cap="none" spc="0" normalizeH="0" baseline="0" noProof="0" dirty="0" smtClean="0">
-                <a:ln>
-                  <a:noFill/>
-                </a:ln>
-                <a:solidFill>
-                  <a:schemeClr val="tx1"/>
-                </a:solidFill>
-                <a:effectLst/>
-                <a:uLnTx/>
-                <a:uFillTx/>
-                <a:latin typeface="Comic Sans MS" pitchFamily="66" charset="0"/>
-                <a:ea typeface="+mn-ea"/>
-                <a:cs typeface="+mn-cs"/>
-              </a:rPr>
-              <a:t>logic.</a:t>
+              <a:t>propositional logic.</a:t>
             </a:r>
             <a:fld id="{0150943C-9303-41DF-A6FA-7E32D6C5D18E}" type="slidenum">
               <a:rPr kumimoji="0" lang="en-US" sz="1200" b="0" i="0" u="none" strike="noStrike" kern="1200" cap="none" spc="0" normalizeH="0" baseline="0" noProof="0" smtClean="0">
@@ -16539,7 +16394,7 @@
           <a:graphicData uri="http://schemas.openxmlformats.org/presentationml/2006/ole">
             <mc:AlternateContent xmlns:mc="http://schemas.openxmlformats.org/markup-compatibility/2006">
               <mc:Choice xmlns:v="urn:schemas-microsoft-com:vml" Requires="v">
-                <p:oleObj spid="_x0000_s401473" name="Equation" r:id="rId4" imgW="3784600" imgH="1295400" progId="Equation.DSMT4">
+                <p:oleObj spid="_x0000_s401476" name="Equation" r:id="rId4" imgW="3784600" imgH="1295400" progId="Equation.DSMT4">
                   <p:embed/>
                 </p:oleObj>
               </mc:Choice>
@@ -16645,11 +16500,7 @@
           <a:p>
             <a:r>
               <a:rPr lang="en-US" sz="1200" dirty="0" smtClean="0"/>
-              <a:t>propositional </a:t>
-            </a:r>
-            <a:r>
-              <a:rPr lang="en-US" sz="1200" dirty="0" smtClean="0"/>
-              <a:t>logic.</a:t>
+              <a:t>propositional logic.</a:t>
             </a:r>
             <a:fld id="{CBD9AEC5-2546-4473-B982-5733658B7CFB}" type="slidenum">
               <a:rPr lang="en-US" sz="1200" smtClean="0"/>
@@ -16926,11 +16777,7 @@
           <a:p>
             <a:r>
               <a:rPr lang="en-US" dirty="0" smtClean="0"/>
-              <a:t>propositional </a:t>
-            </a:r>
-            <a:r>
-              <a:rPr lang="en-US" dirty="0" smtClean="0"/>
-              <a:t>logic.</a:t>
+              <a:t>propositional logic.</a:t>
             </a:r>
             <a:fld id="{0150943C-9303-41DF-A6FA-7E32D6C5D18E}" type="slidenum">
               <a:rPr lang="en-US" smtClean="0"/>
@@ -17242,11 +17089,7 @@
           <a:p>
             <a:r>
               <a:rPr lang="en-US" dirty="0" smtClean="0"/>
-              <a:t>propositional </a:t>
-            </a:r>
-            <a:r>
-              <a:rPr lang="en-US" dirty="0" smtClean="0"/>
-              <a:t>logic.</a:t>
+              <a:t>propositional logic.</a:t>
             </a:r>
             <a:fld id="{0150943C-9303-41DF-A6FA-7E32D6C5D18E}" type="slidenum">
               <a:rPr lang="en-US" smtClean="0"/>
@@ -17642,11 +17485,7 @@
           <a:p>
             <a:r>
               <a:rPr lang="en-US" dirty="0" smtClean="0"/>
-              <a:t>propositional </a:t>
-            </a:r>
-            <a:r>
-              <a:rPr lang="en-US" dirty="0" smtClean="0"/>
-              <a:t>logic.</a:t>
+              <a:t>propositional logic.</a:t>
             </a:r>
             <a:fld id="{0150943C-9303-41DF-A6FA-7E32D6C5D18E}" type="slidenum">
               <a:rPr lang="en-US" smtClean="0"/>
@@ -17871,11 +17710,7 @@
           <a:p>
             <a:r>
               <a:rPr lang="en-US" dirty="0" smtClean="0"/>
-              <a:t>propositional </a:t>
-            </a:r>
-            <a:r>
-              <a:rPr lang="en-US" dirty="0" smtClean="0"/>
-              <a:t>logic.</a:t>
+              <a:t>propositional logic.</a:t>
             </a:r>
             <a:fld id="{0150943C-9303-41DF-A6FA-7E32D6C5D18E}" type="slidenum">
               <a:rPr lang="en-US" smtClean="0"/>
@@ -18132,11 +17967,7 @@
           <a:p>
             <a:r>
               <a:rPr lang="en-US" dirty="0" smtClean="0"/>
-              <a:t>propositional </a:t>
-            </a:r>
-            <a:r>
-              <a:rPr lang="en-US" dirty="0" smtClean="0"/>
-              <a:t>logic.</a:t>
+              <a:t>propositional logic.</a:t>
             </a:r>
             <a:fld id="{0150943C-9303-41DF-A6FA-7E32D6C5D18E}" type="slidenum">
               <a:rPr lang="en-US" smtClean="0"/>
@@ -18474,11 +18305,7 @@
           <a:p>
             <a:r>
               <a:rPr lang="en-US" dirty="0" smtClean="0"/>
-              <a:t>propositional </a:t>
-            </a:r>
-            <a:r>
-              <a:rPr lang="en-US" dirty="0" smtClean="0"/>
-              <a:t>logic.</a:t>
+              <a:t>propositional logic.</a:t>
             </a:r>
             <a:fld id="{3251DA95-B240-47FE-901D-B78FC8E8E532}" type="slidenum">
               <a:rPr lang="en-US" smtClean="0"/>
@@ -18494,13 +18321,13 @@
   <p:clrMapOvr>
     <a:masterClrMapping/>
   </p:clrMapOvr>
-  <mc:AlternateContent xmlns:mc="http://schemas.openxmlformats.org/markup-compatibility/2006">
-    <mc:Choice xmlns:p14="http://schemas.microsoft.com/office/powerpoint/2010/main" Requires="p14">
+  <mc:AlternateContent xmlns:mc="http://schemas.openxmlformats.org/markup-compatibility/2006" xmlns:p14="http://schemas.microsoft.com/office/powerpoint/2010/main">
+    <mc:Choice Requires="p14">
       <p:transition spd="slow" p14:dur="1200" advClick="0">
         <p:fade thruBlk="1"/>
       </p:transition>
     </mc:Choice>
-    <mc:Fallback>
+    <mc:Fallback xmlns="">
       <p:transition xmlns:p14="http://schemas.microsoft.com/office/powerpoint/2010/main" spd="slow" advClick="0">
         <p:fade thruBlk="1"/>
       </p:transition>
@@ -18589,11 +18416,7 @@
             </a:pPr>
             <a:r>
               <a:rPr lang="en-US" dirty="0" smtClean="0"/>
-              <a:t>propositional </a:t>
-            </a:r>
-            <a:r>
-              <a:rPr lang="en-US" dirty="0" smtClean="0"/>
-              <a:t>logic..</a:t>
+              <a:t>propositional logic..</a:t>
             </a:r>
             <a:fld id="{A528ADE2-B74F-4D9D-8D04-FB5D781EAB51}" type="slidenum">
               <a:rPr lang="en-US" smtClean="0"/>
@@ -18628,7 +18451,7 @@
           <a:graphicData uri="http://schemas.openxmlformats.org/presentationml/2006/ole">
             <mc:AlternateContent xmlns:mc="http://schemas.openxmlformats.org/markup-compatibility/2006">
               <mc:Choice xmlns:v="urn:schemas-microsoft-com:vml" Requires="v">
-                <p:oleObj spid="_x0000_s1062" name="Equation" r:id="rId3" imgW="1181100" imgH="495300" progId="Equation.DSMT4">
+                <p:oleObj spid="_x0000_s1069" name="Equation" r:id="rId3" imgW="1181100" imgH="495300" progId="Equation.DSMT4">
                   <p:embed/>
                 </p:oleObj>
               </mc:Choice>
@@ -18672,7 +18495,7 @@
           <p:nvPr>
             <p:extLst>
               <p:ext uri="{D42A27DB-BD31-4B8C-83A1-F6EECF244321}">
-                <p14:modId xmlns:p14="http://schemas.microsoft.com/office/powerpoint/2010/main" val="3768623414"/>
+                <p14:modId xmlns:p14="http://schemas.microsoft.com/office/powerpoint/2010/main" val="3968756022"/>
               </p:ext>
             </p:extLst>
           </p:nvPr>
@@ -18685,7 +18508,7 @@
           <a:graphicData uri="http://schemas.openxmlformats.org/presentationml/2006/ole">
             <mc:AlternateContent xmlns:mc="http://schemas.openxmlformats.org/markup-compatibility/2006">
               <mc:Choice xmlns:v="urn:schemas-microsoft-com:vml" Requires="v">
-                <p:oleObj spid="_x0000_s1063" name="Equation" r:id="rId5" imgW="762000" imgH="457200" progId="Equation.DSMT4">
+                <p:oleObj spid="_x0000_s1070" name="Equation" r:id="rId5" imgW="762000" imgH="457200" progId="Equation.DSMT4">
                   <p:embed/>
                 </p:oleObj>
               </mc:Choice>
@@ -18742,7 +18565,7 @@
           <a:graphicData uri="http://schemas.openxmlformats.org/presentationml/2006/ole">
             <mc:AlternateContent xmlns:mc="http://schemas.openxmlformats.org/markup-compatibility/2006">
               <mc:Choice xmlns:v="urn:schemas-microsoft-com:vml" Requires="v">
-                <p:oleObj spid="_x0000_s1064" name="Equation" r:id="rId7" imgW="444500" imgH="431800" progId="Equation.DSMT4">
+                <p:oleObj spid="_x0000_s1071" name="Equation" r:id="rId7" imgW="444500" imgH="431800" progId="Equation.DSMT4">
                   <p:embed/>
                 </p:oleObj>
               </mc:Choice>
